--- a/2020A/ppt/dm/dm_ex/07 决策树分类 - 副本链接.pptx
+++ b/2020A/ppt/dm/dm_ex/07 决策树分类 - 副本链接.pptx
@@ -13,8 +13,8 @@
   </p:handoutMasterIdLst>
   <p:sldIdLst>
     <p:sldId id="375" r:id="rId3"/>
-    <p:sldId id="825" r:id="rId4"/>
-    <p:sldId id="826" r:id="rId5"/>
+    <p:sldId id="827" r:id="rId4"/>
+    <p:sldId id="828" r:id="rId5"/>
     <p:sldId id="753" r:id="rId6"/>
   </p:sldIdLst>
   <p:sldSz cx="9144000" cy="6858000" type="screen4x3"/>
@@ -147,7 +147,7 @@
   </p:defaultTextStyle>
   <p:extLst>
     <p:ext uri="{EFAFB233-063F-42B5-8137-9DF3F51BA10A}">
-      <p15:sldGuideLst xmlns="" xmlns:p15="http://schemas.microsoft.com/office/powerpoint/2012/main">
+      <p15:sldGuideLst xmlns:p15="http://schemas.microsoft.com/office/powerpoint/2012/main" xmlns="">
         <p15:guide id="1" orient="horz" pos="2160">
           <p15:clr>
             <a:srgbClr val="A4A3A4"/>
@@ -161,7 +161,7 @@
       </p15:sldGuideLst>
     </p:ext>
     <p:ext uri="{2D200454-40CA-4A62-9FC3-DE9A4176ACB9}">
-      <p15:notesGuideLst xmlns="" xmlns:p15="http://schemas.microsoft.com/office/powerpoint/2012/main">
+      <p15:notesGuideLst xmlns:p15="http://schemas.microsoft.com/office/powerpoint/2012/main" xmlns="">
         <p15:guide id="1" orient="horz" pos="3025">
           <p15:clr>
             <a:srgbClr val="A4A3A4"/>
@@ -244,7 +244,7 @@
           <p:cNvPr id="2050" name="Rectangle 2">
             <a:extLst>
               <a:ext uri="{FF2B5EF4-FFF2-40B4-BE49-F238E27FC236}">
-                <a16:creationId xmlns="" xmlns:a16="http://schemas.microsoft.com/office/drawing/2014/main" id="{424F1580-3AFF-491C-9F75-C0ABDACE1242}"/>
+                <a16:creationId xmlns:a16="http://schemas.microsoft.com/office/drawing/2014/main" xmlns="" id="{424F1580-3AFF-491C-9F75-C0ABDACE1242}"/>
               </a:ext>
             </a:extLst>
           </p:cNvPr>
@@ -346,7 +346,7 @@
           <p:cNvPr id="5123" name="Rectangle 3">
             <a:extLst>
               <a:ext uri="{FF2B5EF4-FFF2-40B4-BE49-F238E27FC236}">
-                <a16:creationId xmlns="" xmlns:a16="http://schemas.microsoft.com/office/drawing/2014/main" id="{93FC5853-80A0-4160-A36D-172E1E7323C0}"/>
+                <a16:creationId xmlns:a16="http://schemas.microsoft.com/office/drawing/2014/main" xmlns="" id="{93FC5853-80A0-4160-A36D-172E1E7323C0}"/>
               </a:ext>
             </a:extLst>
           </p:cNvPr>
@@ -553,7 +553,7 @@
           <p:cNvPr id="2" name="标题 1">
             <a:extLst>
               <a:ext uri="{FF2B5EF4-FFF2-40B4-BE49-F238E27FC236}">
-                <a16:creationId xmlns="" xmlns:a16="http://schemas.microsoft.com/office/drawing/2014/main" id="{DAAF17D3-8905-4596-9458-86CA75F3D016}"/>
+                <a16:creationId xmlns:a16="http://schemas.microsoft.com/office/drawing/2014/main" xmlns="" id="{DAAF17D3-8905-4596-9458-86CA75F3D016}"/>
               </a:ext>
             </a:extLst>
           </p:cNvPr>
@@ -590,7 +590,7 @@
           <p:cNvPr id="3" name="副标题 2">
             <a:extLst>
               <a:ext uri="{FF2B5EF4-FFF2-40B4-BE49-F238E27FC236}">
-                <a16:creationId xmlns="" xmlns:a16="http://schemas.microsoft.com/office/drawing/2014/main" id="{40DD3D0E-2995-42AE-A40B-95E861E0FB0C}"/>
+                <a16:creationId xmlns:a16="http://schemas.microsoft.com/office/drawing/2014/main" xmlns="" id="{40DD3D0E-2995-42AE-A40B-95E861E0FB0C}"/>
               </a:ext>
             </a:extLst>
           </p:cNvPr>
@@ -690,7 +690,7 @@
           <p:cNvPr id="2" name="标题 1">
             <a:extLst>
               <a:ext uri="{FF2B5EF4-FFF2-40B4-BE49-F238E27FC236}">
-                <a16:creationId xmlns="" xmlns:a16="http://schemas.microsoft.com/office/drawing/2014/main" id="{AB3CD40A-912E-491D-92F1-DE2A8FDD0E9C}"/>
+                <a16:creationId xmlns:a16="http://schemas.microsoft.com/office/drawing/2014/main" xmlns="" id="{AB3CD40A-912E-491D-92F1-DE2A8FDD0E9C}"/>
               </a:ext>
             </a:extLst>
           </p:cNvPr>
@@ -718,7 +718,7 @@
           <p:cNvPr id="3" name="竖排文字占位符 2">
             <a:extLst>
               <a:ext uri="{FF2B5EF4-FFF2-40B4-BE49-F238E27FC236}">
-                <a16:creationId xmlns="" xmlns:a16="http://schemas.microsoft.com/office/drawing/2014/main" id="{6A5C0FF0-BDBE-4F4B-BB16-58C194DB2003}"/>
+                <a16:creationId xmlns:a16="http://schemas.microsoft.com/office/drawing/2014/main" xmlns="" id="{6A5C0FF0-BDBE-4F4B-BB16-58C194DB2003}"/>
               </a:ext>
             </a:extLst>
           </p:cNvPr>
@@ -805,7 +805,7 @@
           <p:cNvPr id="2" name="竖排标题 1">
             <a:extLst>
               <a:ext uri="{FF2B5EF4-FFF2-40B4-BE49-F238E27FC236}">
-                <a16:creationId xmlns="" xmlns:a16="http://schemas.microsoft.com/office/drawing/2014/main" id="{7B85DBFA-4F06-4F35-BBA2-C2E1AFB1E5B0}"/>
+                <a16:creationId xmlns:a16="http://schemas.microsoft.com/office/drawing/2014/main" xmlns="" id="{7B85DBFA-4F06-4F35-BBA2-C2E1AFB1E5B0}"/>
               </a:ext>
             </a:extLst>
           </p:cNvPr>
@@ -838,7 +838,7 @@
           <p:cNvPr id="3" name="竖排文字占位符 2">
             <a:extLst>
               <a:ext uri="{FF2B5EF4-FFF2-40B4-BE49-F238E27FC236}">
-                <a16:creationId xmlns="" xmlns:a16="http://schemas.microsoft.com/office/drawing/2014/main" id="{563448F3-AC60-4A7E-9EC2-F664DE35F8C4}"/>
+                <a16:creationId xmlns:a16="http://schemas.microsoft.com/office/drawing/2014/main" xmlns="" id="{563448F3-AC60-4A7E-9EC2-F664DE35F8C4}"/>
               </a:ext>
             </a:extLst>
           </p:cNvPr>
@@ -930,7 +930,7 @@
           <p:cNvPr id="2" name="标题 1">
             <a:extLst>
               <a:ext uri="{FF2B5EF4-FFF2-40B4-BE49-F238E27FC236}">
-                <a16:creationId xmlns="" xmlns:a16="http://schemas.microsoft.com/office/drawing/2014/main" id="{E34063E9-3D8A-4325-A20C-5F67D3FD7BFB}"/>
+                <a16:creationId xmlns:a16="http://schemas.microsoft.com/office/drawing/2014/main" xmlns="" id="{E34063E9-3D8A-4325-A20C-5F67D3FD7BFB}"/>
               </a:ext>
             </a:extLst>
           </p:cNvPr>
@@ -963,7 +963,7 @@
           <p:cNvPr id="3" name="文本占位符 2">
             <a:extLst>
               <a:ext uri="{FF2B5EF4-FFF2-40B4-BE49-F238E27FC236}">
-                <a16:creationId xmlns="" xmlns:a16="http://schemas.microsoft.com/office/drawing/2014/main" id="{442F6267-2A7D-48FA-B40B-D2CB863354C8}"/>
+                <a16:creationId xmlns:a16="http://schemas.microsoft.com/office/drawing/2014/main" xmlns="" id="{442F6267-2A7D-48FA-B40B-D2CB863354C8}"/>
               </a:ext>
             </a:extLst>
           </p:cNvPr>
@@ -1025,7 +1025,7 @@
           <p:cNvPr id="4" name="内容占位符 3">
             <a:extLst>
               <a:ext uri="{FF2B5EF4-FFF2-40B4-BE49-F238E27FC236}">
-                <a16:creationId xmlns="" xmlns:a16="http://schemas.microsoft.com/office/drawing/2014/main" id="{F1732854-CF3F-4F62-93C2-B4E38A28B6E8}"/>
+                <a16:creationId xmlns:a16="http://schemas.microsoft.com/office/drawing/2014/main" xmlns="" id="{F1732854-CF3F-4F62-93C2-B4E38A28B6E8}"/>
               </a:ext>
             </a:extLst>
           </p:cNvPr>
@@ -1117,7 +1117,7 @@
           <p:cNvPr id="2" name="标题 1">
             <a:extLst>
               <a:ext uri="{FF2B5EF4-FFF2-40B4-BE49-F238E27FC236}">
-                <a16:creationId xmlns="" xmlns:a16="http://schemas.microsoft.com/office/drawing/2014/main" id="{4659D987-272E-470A-9757-FDFB87FD05AE}"/>
+                <a16:creationId xmlns:a16="http://schemas.microsoft.com/office/drawing/2014/main" xmlns="" id="{4659D987-272E-470A-9757-FDFB87FD05AE}"/>
               </a:ext>
             </a:extLst>
           </p:cNvPr>
@@ -1150,7 +1150,7 @@
           <p:cNvPr id="3" name="文本占位符 2">
             <a:extLst>
               <a:ext uri="{FF2B5EF4-FFF2-40B4-BE49-F238E27FC236}">
-                <a16:creationId xmlns="" xmlns:a16="http://schemas.microsoft.com/office/drawing/2014/main" id="{69F41D4B-3F9A-4EFD-A093-831F3D6F7A75}"/>
+                <a16:creationId xmlns:a16="http://schemas.microsoft.com/office/drawing/2014/main" xmlns="" id="{69F41D4B-3F9A-4EFD-A093-831F3D6F7A75}"/>
               </a:ext>
             </a:extLst>
           </p:cNvPr>
@@ -1212,7 +1212,7 @@
           <p:cNvPr id="4" name="内容占位符 3">
             <a:extLst>
               <a:ext uri="{FF2B5EF4-FFF2-40B4-BE49-F238E27FC236}">
-                <a16:creationId xmlns="" xmlns:a16="http://schemas.microsoft.com/office/drawing/2014/main" id="{9A39EB27-62D7-408D-9D1D-0D11115A1282}"/>
+                <a16:creationId xmlns:a16="http://schemas.microsoft.com/office/drawing/2014/main" xmlns="" id="{9A39EB27-62D7-408D-9D1D-0D11115A1282}"/>
               </a:ext>
             </a:extLst>
           </p:cNvPr>
@@ -1274,7 +1274,7 @@
           <p:cNvPr id="5" name="内容占位符 4">
             <a:extLst>
               <a:ext uri="{FF2B5EF4-FFF2-40B4-BE49-F238E27FC236}">
-                <a16:creationId xmlns="" xmlns:a16="http://schemas.microsoft.com/office/drawing/2014/main" id="{D26E2D0C-F04A-46A1-8A32-10F25ECD90B0}"/>
+                <a16:creationId xmlns:a16="http://schemas.microsoft.com/office/drawing/2014/main" xmlns="" id="{D26E2D0C-F04A-46A1-8A32-10F25ECD90B0}"/>
               </a:ext>
             </a:extLst>
           </p:cNvPr>
@@ -1366,7 +1366,7 @@
           <p:cNvPr id="2" name="标题 1">
             <a:extLst>
               <a:ext uri="{FF2B5EF4-FFF2-40B4-BE49-F238E27FC236}">
-                <a16:creationId xmlns="" xmlns:a16="http://schemas.microsoft.com/office/drawing/2014/main" id="{ED79AB88-23EF-499E-9405-1D9661D36F60}"/>
+                <a16:creationId xmlns:a16="http://schemas.microsoft.com/office/drawing/2014/main" xmlns="" id="{ED79AB88-23EF-499E-9405-1D9661D36F60}"/>
               </a:ext>
             </a:extLst>
           </p:cNvPr>
@@ -1399,7 +1399,7 @@
           <p:cNvPr id="3" name="文本占位符 2">
             <a:extLst>
               <a:ext uri="{FF2B5EF4-FFF2-40B4-BE49-F238E27FC236}">
-                <a16:creationId xmlns="" xmlns:a16="http://schemas.microsoft.com/office/drawing/2014/main" id="{AE5B9566-3665-42E9-9D4F-A6EC78533F74}"/>
+                <a16:creationId xmlns:a16="http://schemas.microsoft.com/office/drawing/2014/main" xmlns="" id="{AE5B9566-3665-42E9-9D4F-A6EC78533F74}"/>
               </a:ext>
             </a:extLst>
           </p:cNvPr>
@@ -1461,7 +1461,7 @@
           <p:cNvPr id="4" name="内容占位符 3">
             <a:extLst>
               <a:ext uri="{FF2B5EF4-FFF2-40B4-BE49-F238E27FC236}">
-                <a16:creationId xmlns="" xmlns:a16="http://schemas.microsoft.com/office/drawing/2014/main" id="{E7841D70-A906-4759-823A-0B78F8FE22E9}"/>
+                <a16:creationId xmlns:a16="http://schemas.microsoft.com/office/drawing/2014/main" xmlns="" id="{E7841D70-A906-4759-823A-0B78F8FE22E9}"/>
               </a:ext>
             </a:extLst>
           </p:cNvPr>
@@ -1644,7 +1644,7 @@
           <p:cNvPr id="4" name="Rectangle 14">
             <a:extLst>
               <a:ext uri="{FF2B5EF4-FFF2-40B4-BE49-F238E27FC236}">
-                <a16:creationId xmlns="" xmlns:a16="http://schemas.microsoft.com/office/drawing/2014/main" id="{EF93A0AF-B8F2-4A12-A91E-A219FCEBAFF6}"/>
+                <a16:creationId xmlns:a16="http://schemas.microsoft.com/office/drawing/2014/main" xmlns="" id="{EF93A0AF-B8F2-4A12-A91E-A219FCEBAFF6}"/>
               </a:ext>
             </a:extLst>
           </p:cNvPr>
@@ -1678,7 +1678,7 @@
           <p:cNvPr id="5" name="Rectangle 15">
             <a:extLst>
               <a:ext uri="{FF2B5EF4-FFF2-40B4-BE49-F238E27FC236}">
-                <a16:creationId xmlns="" xmlns:a16="http://schemas.microsoft.com/office/drawing/2014/main" id="{C39F8D77-7B8E-4659-8378-30DE62E03DBA}"/>
+                <a16:creationId xmlns:a16="http://schemas.microsoft.com/office/drawing/2014/main" xmlns="" id="{C39F8D77-7B8E-4659-8378-30DE62E03DBA}"/>
               </a:ext>
             </a:extLst>
           </p:cNvPr>
@@ -1712,7 +1712,7 @@
           <p:cNvPr id="6" name="Rectangle 16">
             <a:extLst>
               <a:ext uri="{FF2B5EF4-FFF2-40B4-BE49-F238E27FC236}">
-                <a16:creationId xmlns="" xmlns:a16="http://schemas.microsoft.com/office/drawing/2014/main" id="{D2B2721C-EC7E-4AC8-8ACC-E197A248997B}"/>
+                <a16:creationId xmlns:a16="http://schemas.microsoft.com/office/drawing/2014/main" xmlns="" id="{D2B2721C-EC7E-4AC8-8ACC-E197A248997B}"/>
               </a:ext>
             </a:extLst>
           </p:cNvPr>
@@ -1856,7 +1856,7 @@
           <p:cNvPr id="4" name="Rectangle 14">
             <a:extLst>
               <a:ext uri="{FF2B5EF4-FFF2-40B4-BE49-F238E27FC236}">
-                <a16:creationId xmlns="" xmlns:a16="http://schemas.microsoft.com/office/drawing/2014/main" id="{3FFC4E50-C3A4-4D0F-98C3-E8085551B2DD}"/>
+                <a16:creationId xmlns:a16="http://schemas.microsoft.com/office/drawing/2014/main" xmlns="" id="{3FFC4E50-C3A4-4D0F-98C3-E8085551B2DD}"/>
               </a:ext>
             </a:extLst>
           </p:cNvPr>
@@ -1890,7 +1890,7 @@
           <p:cNvPr id="5" name="Rectangle 15">
             <a:extLst>
               <a:ext uri="{FF2B5EF4-FFF2-40B4-BE49-F238E27FC236}">
-                <a16:creationId xmlns="" xmlns:a16="http://schemas.microsoft.com/office/drawing/2014/main" id="{CF1D036F-5EC8-4B4E-8D77-74EAB5221DA3}"/>
+                <a16:creationId xmlns:a16="http://schemas.microsoft.com/office/drawing/2014/main" xmlns="" id="{CF1D036F-5EC8-4B4E-8D77-74EAB5221DA3}"/>
               </a:ext>
             </a:extLst>
           </p:cNvPr>
@@ -1924,7 +1924,7 @@
           <p:cNvPr id="6" name="Rectangle 16">
             <a:extLst>
               <a:ext uri="{FF2B5EF4-FFF2-40B4-BE49-F238E27FC236}">
-                <a16:creationId xmlns="" xmlns:a16="http://schemas.microsoft.com/office/drawing/2014/main" id="{5C896E17-3981-46D2-AEC8-82A91DE5F956}"/>
+                <a16:creationId xmlns:a16="http://schemas.microsoft.com/office/drawing/2014/main" xmlns="" id="{5C896E17-3981-46D2-AEC8-82A91DE5F956}"/>
               </a:ext>
             </a:extLst>
           </p:cNvPr>
@@ -2091,7 +2091,7 @@
           <p:cNvPr id="4" name="Rectangle 14">
             <a:extLst>
               <a:ext uri="{FF2B5EF4-FFF2-40B4-BE49-F238E27FC236}">
-                <a16:creationId xmlns="" xmlns:a16="http://schemas.microsoft.com/office/drawing/2014/main" id="{AA70C36E-C4A8-4001-A2D3-9A58DF2621D2}"/>
+                <a16:creationId xmlns:a16="http://schemas.microsoft.com/office/drawing/2014/main" xmlns="" id="{AA70C36E-C4A8-4001-A2D3-9A58DF2621D2}"/>
               </a:ext>
             </a:extLst>
           </p:cNvPr>
@@ -2125,7 +2125,7 @@
           <p:cNvPr id="5" name="Rectangle 15">
             <a:extLst>
               <a:ext uri="{FF2B5EF4-FFF2-40B4-BE49-F238E27FC236}">
-                <a16:creationId xmlns="" xmlns:a16="http://schemas.microsoft.com/office/drawing/2014/main" id="{6655BED6-0E04-4037-BC58-2DDC4483743F}"/>
+                <a16:creationId xmlns:a16="http://schemas.microsoft.com/office/drawing/2014/main" xmlns="" id="{6655BED6-0E04-4037-BC58-2DDC4483743F}"/>
               </a:ext>
             </a:extLst>
           </p:cNvPr>
@@ -2159,7 +2159,7 @@
           <p:cNvPr id="6" name="Rectangle 16">
             <a:extLst>
               <a:ext uri="{FF2B5EF4-FFF2-40B4-BE49-F238E27FC236}">
-                <a16:creationId xmlns="" xmlns:a16="http://schemas.microsoft.com/office/drawing/2014/main" id="{52F2F749-96ED-4C79-8CF1-3DA938BACE66}"/>
+                <a16:creationId xmlns:a16="http://schemas.microsoft.com/office/drawing/2014/main" xmlns="" id="{52F2F749-96ED-4C79-8CF1-3DA938BACE66}"/>
               </a:ext>
             </a:extLst>
           </p:cNvPr>
@@ -2420,7 +2420,7 @@
           <p:cNvPr id="5" name="Rectangle 14">
             <a:extLst>
               <a:ext uri="{FF2B5EF4-FFF2-40B4-BE49-F238E27FC236}">
-                <a16:creationId xmlns="" xmlns:a16="http://schemas.microsoft.com/office/drawing/2014/main" id="{A441B94A-5434-4A60-9D8A-06B143762394}"/>
+                <a16:creationId xmlns:a16="http://schemas.microsoft.com/office/drawing/2014/main" xmlns="" id="{A441B94A-5434-4A60-9D8A-06B143762394}"/>
               </a:ext>
             </a:extLst>
           </p:cNvPr>
@@ -2454,7 +2454,7 @@
           <p:cNvPr id="6" name="Rectangle 15">
             <a:extLst>
               <a:ext uri="{FF2B5EF4-FFF2-40B4-BE49-F238E27FC236}">
-                <a16:creationId xmlns="" xmlns:a16="http://schemas.microsoft.com/office/drawing/2014/main" id="{F3CFB699-149A-4FF2-A606-D5C947A170FC}"/>
+                <a16:creationId xmlns:a16="http://schemas.microsoft.com/office/drawing/2014/main" xmlns="" id="{F3CFB699-149A-4FF2-A606-D5C947A170FC}"/>
               </a:ext>
             </a:extLst>
           </p:cNvPr>
@@ -2488,7 +2488,7 @@
           <p:cNvPr id="7" name="Rectangle 16">
             <a:extLst>
               <a:ext uri="{FF2B5EF4-FFF2-40B4-BE49-F238E27FC236}">
-                <a16:creationId xmlns="" xmlns:a16="http://schemas.microsoft.com/office/drawing/2014/main" id="{69F9DA4A-69F9-46E4-A086-FFE2DECB276C}"/>
+                <a16:creationId xmlns:a16="http://schemas.microsoft.com/office/drawing/2014/main" xmlns="" id="{69F9DA4A-69F9-46E4-A086-FFE2DECB276C}"/>
               </a:ext>
             </a:extLst>
           </p:cNvPr>
@@ -2888,7 +2888,7 @@
           <p:cNvPr id="7" name="Rectangle 14">
             <a:extLst>
               <a:ext uri="{FF2B5EF4-FFF2-40B4-BE49-F238E27FC236}">
-                <a16:creationId xmlns="" xmlns:a16="http://schemas.microsoft.com/office/drawing/2014/main" id="{23B0620C-8A1A-4146-A742-96A46AA59454}"/>
+                <a16:creationId xmlns:a16="http://schemas.microsoft.com/office/drawing/2014/main" xmlns="" id="{23B0620C-8A1A-4146-A742-96A46AA59454}"/>
               </a:ext>
             </a:extLst>
           </p:cNvPr>
@@ -2922,7 +2922,7 @@
           <p:cNvPr id="8" name="Rectangle 15">
             <a:extLst>
               <a:ext uri="{FF2B5EF4-FFF2-40B4-BE49-F238E27FC236}">
-                <a16:creationId xmlns="" xmlns:a16="http://schemas.microsoft.com/office/drawing/2014/main" id="{3D03E0ED-E9E4-451E-95C8-23B59843E0C5}"/>
+                <a16:creationId xmlns:a16="http://schemas.microsoft.com/office/drawing/2014/main" xmlns="" id="{3D03E0ED-E9E4-451E-95C8-23B59843E0C5}"/>
               </a:ext>
             </a:extLst>
           </p:cNvPr>
@@ -2956,7 +2956,7 @@
           <p:cNvPr id="9" name="Rectangle 16">
             <a:extLst>
               <a:ext uri="{FF2B5EF4-FFF2-40B4-BE49-F238E27FC236}">
-                <a16:creationId xmlns="" xmlns:a16="http://schemas.microsoft.com/office/drawing/2014/main" id="{E83B83A9-7030-4B43-89BD-8393F9EA9F28}"/>
+                <a16:creationId xmlns:a16="http://schemas.microsoft.com/office/drawing/2014/main" xmlns="" id="{E83B83A9-7030-4B43-89BD-8393F9EA9F28}"/>
               </a:ext>
             </a:extLst>
           </p:cNvPr>
@@ -3027,7 +3027,7 @@
           <p:cNvPr id="2" name="标题 1">
             <a:extLst>
               <a:ext uri="{FF2B5EF4-FFF2-40B4-BE49-F238E27FC236}">
-                <a16:creationId xmlns="" xmlns:a16="http://schemas.microsoft.com/office/drawing/2014/main" id="{6EC7BF6D-0EDB-4C1E-B1BC-D5E221488DC3}"/>
+                <a16:creationId xmlns:a16="http://schemas.microsoft.com/office/drawing/2014/main" xmlns="" id="{6EC7BF6D-0EDB-4C1E-B1BC-D5E221488DC3}"/>
               </a:ext>
             </a:extLst>
           </p:cNvPr>
@@ -3055,7 +3055,7 @@
           <p:cNvPr id="3" name="内容占位符 2">
             <a:extLst>
               <a:ext uri="{FF2B5EF4-FFF2-40B4-BE49-F238E27FC236}">
-                <a16:creationId xmlns="" xmlns:a16="http://schemas.microsoft.com/office/drawing/2014/main" id="{AA7067C1-B1D4-48CF-8324-00658E4A4607}"/>
+                <a16:creationId xmlns:a16="http://schemas.microsoft.com/office/drawing/2014/main" xmlns="" id="{AA7067C1-B1D4-48CF-8324-00658E4A4607}"/>
               </a:ext>
             </a:extLst>
           </p:cNvPr>
@@ -3164,7 +3164,7 @@
           <p:cNvPr id="3" name="Rectangle 14">
             <a:extLst>
               <a:ext uri="{FF2B5EF4-FFF2-40B4-BE49-F238E27FC236}">
-                <a16:creationId xmlns="" xmlns:a16="http://schemas.microsoft.com/office/drawing/2014/main" id="{DBF60228-1A8A-4425-B420-B6A44D210201}"/>
+                <a16:creationId xmlns:a16="http://schemas.microsoft.com/office/drawing/2014/main" xmlns="" id="{DBF60228-1A8A-4425-B420-B6A44D210201}"/>
               </a:ext>
             </a:extLst>
           </p:cNvPr>
@@ -3198,7 +3198,7 @@
           <p:cNvPr id="4" name="Rectangle 15">
             <a:extLst>
               <a:ext uri="{FF2B5EF4-FFF2-40B4-BE49-F238E27FC236}">
-                <a16:creationId xmlns="" xmlns:a16="http://schemas.microsoft.com/office/drawing/2014/main" id="{1BD98D38-4BAF-4DEC-BF08-EBB51A2B2F9D}"/>
+                <a16:creationId xmlns:a16="http://schemas.microsoft.com/office/drawing/2014/main" xmlns="" id="{1BD98D38-4BAF-4DEC-BF08-EBB51A2B2F9D}"/>
               </a:ext>
             </a:extLst>
           </p:cNvPr>
@@ -3232,7 +3232,7 @@
           <p:cNvPr id="5" name="Rectangle 16">
             <a:extLst>
               <a:ext uri="{FF2B5EF4-FFF2-40B4-BE49-F238E27FC236}">
-                <a16:creationId xmlns="" xmlns:a16="http://schemas.microsoft.com/office/drawing/2014/main" id="{83DF6071-DE5A-42E5-B622-2DD413D67445}"/>
+                <a16:creationId xmlns:a16="http://schemas.microsoft.com/office/drawing/2014/main" xmlns="" id="{83DF6071-DE5A-42E5-B622-2DD413D67445}"/>
               </a:ext>
             </a:extLst>
           </p:cNvPr>
@@ -3303,7 +3303,7 @@
           <p:cNvPr id="2" name="Rectangle 14">
             <a:extLst>
               <a:ext uri="{FF2B5EF4-FFF2-40B4-BE49-F238E27FC236}">
-                <a16:creationId xmlns="" xmlns:a16="http://schemas.microsoft.com/office/drawing/2014/main" id="{E8A11686-CCA1-422A-9F7F-FF518ABB417B}"/>
+                <a16:creationId xmlns:a16="http://schemas.microsoft.com/office/drawing/2014/main" xmlns="" id="{E8A11686-CCA1-422A-9F7F-FF518ABB417B}"/>
               </a:ext>
             </a:extLst>
           </p:cNvPr>
@@ -3337,7 +3337,7 @@
           <p:cNvPr id="3" name="Rectangle 15">
             <a:extLst>
               <a:ext uri="{FF2B5EF4-FFF2-40B4-BE49-F238E27FC236}">
-                <a16:creationId xmlns="" xmlns:a16="http://schemas.microsoft.com/office/drawing/2014/main" id="{60F7C73C-90BA-483E-BDB1-BC69FC8BB394}"/>
+                <a16:creationId xmlns:a16="http://schemas.microsoft.com/office/drawing/2014/main" xmlns="" id="{60F7C73C-90BA-483E-BDB1-BC69FC8BB394}"/>
               </a:ext>
             </a:extLst>
           </p:cNvPr>
@@ -3371,7 +3371,7 @@
           <p:cNvPr id="4" name="Rectangle 16">
             <a:extLst>
               <a:ext uri="{FF2B5EF4-FFF2-40B4-BE49-F238E27FC236}">
-                <a16:creationId xmlns="" xmlns:a16="http://schemas.microsoft.com/office/drawing/2014/main" id="{0E00FADA-8EE4-4ED7-8451-FB22A842D942}"/>
+                <a16:creationId xmlns:a16="http://schemas.microsoft.com/office/drawing/2014/main" xmlns="" id="{0E00FADA-8EE4-4ED7-8451-FB22A842D942}"/>
               </a:ext>
             </a:extLst>
           </p:cNvPr>
@@ -3622,7 +3622,7 @@
           <p:cNvPr id="5" name="Rectangle 14">
             <a:extLst>
               <a:ext uri="{FF2B5EF4-FFF2-40B4-BE49-F238E27FC236}">
-                <a16:creationId xmlns="" xmlns:a16="http://schemas.microsoft.com/office/drawing/2014/main" id="{B7069238-4FCF-4DBA-B6D7-5B06BE313228}"/>
+                <a16:creationId xmlns:a16="http://schemas.microsoft.com/office/drawing/2014/main" xmlns="" id="{B7069238-4FCF-4DBA-B6D7-5B06BE313228}"/>
               </a:ext>
             </a:extLst>
           </p:cNvPr>
@@ -3656,7 +3656,7 @@
           <p:cNvPr id="6" name="Rectangle 15">
             <a:extLst>
               <a:ext uri="{FF2B5EF4-FFF2-40B4-BE49-F238E27FC236}">
-                <a16:creationId xmlns="" xmlns:a16="http://schemas.microsoft.com/office/drawing/2014/main" id="{07C8CFB9-6B6F-4B0F-B87D-1A52C7FEAE38}"/>
+                <a16:creationId xmlns:a16="http://schemas.microsoft.com/office/drawing/2014/main" xmlns="" id="{07C8CFB9-6B6F-4B0F-B87D-1A52C7FEAE38}"/>
               </a:ext>
             </a:extLst>
           </p:cNvPr>
@@ -3690,7 +3690,7 @@
           <p:cNvPr id="7" name="Rectangle 16">
             <a:extLst>
               <a:ext uri="{FF2B5EF4-FFF2-40B4-BE49-F238E27FC236}">
-                <a16:creationId xmlns="" xmlns:a16="http://schemas.microsoft.com/office/drawing/2014/main" id="{8D8C04BC-57B6-4A50-A5DF-F3E711D3493E}"/>
+                <a16:creationId xmlns:a16="http://schemas.microsoft.com/office/drawing/2014/main" xmlns="" id="{8D8C04BC-57B6-4A50-A5DF-F3E711D3493E}"/>
               </a:ext>
             </a:extLst>
           </p:cNvPr>
@@ -3919,7 +3919,7 @@
           <p:cNvPr id="5" name="Rectangle 14">
             <a:extLst>
               <a:ext uri="{FF2B5EF4-FFF2-40B4-BE49-F238E27FC236}">
-                <a16:creationId xmlns="" xmlns:a16="http://schemas.microsoft.com/office/drawing/2014/main" id="{96E4BB08-C58A-4039-B108-CF1FFD866699}"/>
+                <a16:creationId xmlns:a16="http://schemas.microsoft.com/office/drawing/2014/main" xmlns="" id="{96E4BB08-C58A-4039-B108-CF1FFD866699}"/>
               </a:ext>
             </a:extLst>
           </p:cNvPr>
@@ -3953,7 +3953,7 @@
           <p:cNvPr id="6" name="Rectangle 15">
             <a:extLst>
               <a:ext uri="{FF2B5EF4-FFF2-40B4-BE49-F238E27FC236}">
-                <a16:creationId xmlns="" xmlns:a16="http://schemas.microsoft.com/office/drawing/2014/main" id="{1994A4EE-E46A-44A4-AABE-0C755D5FC2CF}"/>
+                <a16:creationId xmlns:a16="http://schemas.microsoft.com/office/drawing/2014/main" xmlns="" id="{1994A4EE-E46A-44A4-AABE-0C755D5FC2CF}"/>
               </a:ext>
             </a:extLst>
           </p:cNvPr>
@@ -3987,7 +3987,7 @@
           <p:cNvPr id="7" name="Rectangle 16">
             <a:extLst>
               <a:ext uri="{FF2B5EF4-FFF2-40B4-BE49-F238E27FC236}">
-                <a16:creationId xmlns="" xmlns:a16="http://schemas.microsoft.com/office/drawing/2014/main" id="{5CD9E54F-163D-4C5F-ABEE-B5D2F3687A13}"/>
+                <a16:creationId xmlns:a16="http://schemas.microsoft.com/office/drawing/2014/main" xmlns="" id="{5CD9E54F-163D-4C5F-ABEE-B5D2F3687A13}"/>
               </a:ext>
             </a:extLst>
           </p:cNvPr>
@@ -4131,7 +4131,7 @@
           <p:cNvPr id="4" name="Rectangle 14">
             <a:extLst>
               <a:ext uri="{FF2B5EF4-FFF2-40B4-BE49-F238E27FC236}">
-                <a16:creationId xmlns="" xmlns:a16="http://schemas.microsoft.com/office/drawing/2014/main" id="{CB3A3867-B2A1-42FD-BA3E-DB9B01208E11}"/>
+                <a16:creationId xmlns:a16="http://schemas.microsoft.com/office/drawing/2014/main" xmlns="" id="{CB3A3867-B2A1-42FD-BA3E-DB9B01208E11}"/>
               </a:ext>
             </a:extLst>
           </p:cNvPr>
@@ -4165,7 +4165,7 @@
           <p:cNvPr id="5" name="Rectangle 15">
             <a:extLst>
               <a:ext uri="{FF2B5EF4-FFF2-40B4-BE49-F238E27FC236}">
-                <a16:creationId xmlns="" xmlns:a16="http://schemas.microsoft.com/office/drawing/2014/main" id="{BBE4EAB3-5133-404F-8096-E43A2F7DC3FB}"/>
+                <a16:creationId xmlns:a16="http://schemas.microsoft.com/office/drawing/2014/main" xmlns="" id="{BBE4EAB3-5133-404F-8096-E43A2F7DC3FB}"/>
               </a:ext>
             </a:extLst>
           </p:cNvPr>
@@ -4199,7 +4199,7 @@
           <p:cNvPr id="6" name="Rectangle 16">
             <a:extLst>
               <a:ext uri="{FF2B5EF4-FFF2-40B4-BE49-F238E27FC236}">
-                <a16:creationId xmlns="" xmlns:a16="http://schemas.microsoft.com/office/drawing/2014/main" id="{76FB155E-741B-459F-A90A-4AE8D82F2BE1}"/>
+                <a16:creationId xmlns:a16="http://schemas.microsoft.com/office/drawing/2014/main" xmlns="" id="{76FB155E-741B-459F-A90A-4AE8D82F2BE1}"/>
               </a:ext>
             </a:extLst>
           </p:cNvPr>
@@ -4353,7 +4353,7 @@
           <p:cNvPr id="4" name="Rectangle 14">
             <a:extLst>
               <a:ext uri="{FF2B5EF4-FFF2-40B4-BE49-F238E27FC236}">
-                <a16:creationId xmlns="" xmlns:a16="http://schemas.microsoft.com/office/drawing/2014/main" id="{6EB59DAE-4808-4890-B87D-8CA57D685432}"/>
+                <a16:creationId xmlns:a16="http://schemas.microsoft.com/office/drawing/2014/main" xmlns="" id="{6EB59DAE-4808-4890-B87D-8CA57D685432}"/>
               </a:ext>
             </a:extLst>
           </p:cNvPr>
@@ -4387,7 +4387,7 @@
           <p:cNvPr id="5" name="Rectangle 15">
             <a:extLst>
               <a:ext uri="{FF2B5EF4-FFF2-40B4-BE49-F238E27FC236}">
-                <a16:creationId xmlns="" xmlns:a16="http://schemas.microsoft.com/office/drawing/2014/main" id="{E70E661B-D5C4-4B6C-A241-E4DC64AAD64D}"/>
+                <a16:creationId xmlns:a16="http://schemas.microsoft.com/office/drawing/2014/main" xmlns="" id="{E70E661B-D5C4-4B6C-A241-E4DC64AAD64D}"/>
               </a:ext>
             </a:extLst>
           </p:cNvPr>
@@ -4421,7 +4421,7 @@
           <p:cNvPr id="6" name="Rectangle 16">
             <a:extLst>
               <a:ext uri="{FF2B5EF4-FFF2-40B4-BE49-F238E27FC236}">
-                <a16:creationId xmlns="" xmlns:a16="http://schemas.microsoft.com/office/drawing/2014/main" id="{3B7335F4-2098-4D8C-B462-8252E40D1714}"/>
+                <a16:creationId xmlns:a16="http://schemas.microsoft.com/office/drawing/2014/main" xmlns="" id="{3B7335F4-2098-4D8C-B462-8252E40D1714}"/>
               </a:ext>
             </a:extLst>
           </p:cNvPr>
@@ -4492,7 +4492,7 @@
           <p:cNvPr id="2" name="标题 1">
             <a:extLst>
               <a:ext uri="{FF2B5EF4-FFF2-40B4-BE49-F238E27FC236}">
-                <a16:creationId xmlns="" xmlns:a16="http://schemas.microsoft.com/office/drawing/2014/main" id="{C95E5AA4-C3FD-46BB-BF13-E104FCF69294}"/>
+                <a16:creationId xmlns:a16="http://schemas.microsoft.com/office/drawing/2014/main" xmlns="" id="{C95E5AA4-C3FD-46BB-BF13-E104FCF69294}"/>
               </a:ext>
             </a:extLst>
           </p:cNvPr>
@@ -4529,7 +4529,7 @@
           <p:cNvPr id="3" name="文本占位符 2">
             <a:extLst>
               <a:ext uri="{FF2B5EF4-FFF2-40B4-BE49-F238E27FC236}">
-                <a16:creationId xmlns="" xmlns:a16="http://schemas.microsoft.com/office/drawing/2014/main" id="{82490F31-99AE-406F-821D-FF838BA53F91}"/>
+                <a16:creationId xmlns:a16="http://schemas.microsoft.com/office/drawing/2014/main" xmlns="" id="{82490F31-99AE-406F-821D-FF838BA53F91}"/>
               </a:ext>
             </a:extLst>
           </p:cNvPr>
@@ -4630,7 +4630,7 @@
           <p:cNvPr id="2" name="标题 1">
             <a:extLst>
               <a:ext uri="{FF2B5EF4-FFF2-40B4-BE49-F238E27FC236}">
-                <a16:creationId xmlns="" xmlns:a16="http://schemas.microsoft.com/office/drawing/2014/main" id="{C9D76065-A809-4C17-BD65-B4BA7C663931}"/>
+                <a16:creationId xmlns:a16="http://schemas.microsoft.com/office/drawing/2014/main" xmlns="" id="{C9D76065-A809-4C17-BD65-B4BA7C663931}"/>
               </a:ext>
             </a:extLst>
           </p:cNvPr>
@@ -4658,7 +4658,7 @@
           <p:cNvPr id="3" name="内容占位符 2">
             <a:extLst>
               <a:ext uri="{FF2B5EF4-FFF2-40B4-BE49-F238E27FC236}">
-                <a16:creationId xmlns="" xmlns:a16="http://schemas.microsoft.com/office/drawing/2014/main" id="{15189C48-23F3-4647-A499-9FE3869FDB97}"/>
+                <a16:creationId xmlns:a16="http://schemas.microsoft.com/office/drawing/2014/main" xmlns="" id="{15189C48-23F3-4647-A499-9FE3869FDB97}"/>
               </a:ext>
             </a:extLst>
           </p:cNvPr>
@@ -4720,7 +4720,7 @@
           <p:cNvPr id="4" name="内容占位符 3">
             <a:extLst>
               <a:ext uri="{FF2B5EF4-FFF2-40B4-BE49-F238E27FC236}">
-                <a16:creationId xmlns="" xmlns:a16="http://schemas.microsoft.com/office/drawing/2014/main" id="{C867B1EB-BA44-4A35-A4B0-FBD6E7CF3ABC}"/>
+                <a16:creationId xmlns:a16="http://schemas.microsoft.com/office/drawing/2014/main" xmlns="" id="{C867B1EB-BA44-4A35-A4B0-FBD6E7CF3ABC}"/>
               </a:ext>
             </a:extLst>
           </p:cNvPr>
@@ -4812,7 +4812,7 @@
           <p:cNvPr id="2" name="标题 1">
             <a:extLst>
               <a:ext uri="{FF2B5EF4-FFF2-40B4-BE49-F238E27FC236}">
-                <a16:creationId xmlns="" xmlns:a16="http://schemas.microsoft.com/office/drawing/2014/main" id="{9FA4D5C0-693D-4A35-86F5-4F58A5E639EC}"/>
+                <a16:creationId xmlns:a16="http://schemas.microsoft.com/office/drawing/2014/main" xmlns="" id="{9FA4D5C0-693D-4A35-86F5-4F58A5E639EC}"/>
               </a:ext>
             </a:extLst>
           </p:cNvPr>
@@ -4845,7 +4845,7 @@
           <p:cNvPr id="3" name="文本占位符 2">
             <a:extLst>
               <a:ext uri="{FF2B5EF4-FFF2-40B4-BE49-F238E27FC236}">
-                <a16:creationId xmlns="" xmlns:a16="http://schemas.microsoft.com/office/drawing/2014/main" id="{B6ACAA86-BF03-4DF9-A8D4-B13D5042650E}"/>
+                <a16:creationId xmlns:a16="http://schemas.microsoft.com/office/drawing/2014/main" xmlns="" id="{B6ACAA86-BF03-4DF9-A8D4-B13D5042650E}"/>
               </a:ext>
             </a:extLst>
           </p:cNvPr>
@@ -4916,7 +4916,7 @@
           <p:cNvPr id="4" name="内容占位符 3">
             <a:extLst>
               <a:ext uri="{FF2B5EF4-FFF2-40B4-BE49-F238E27FC236}">
-                <a16:creationId xmlns="" xmlns:a16="http://schemas.microsoft.com/office/drawing/2014/main" id="{BAF823F9-45E9-4021-A7D1-7EFF72EC104C}"/>
+                <a16:creationId xmlns:a16="http://schemas.microsoft.com/office/drawing/2014/main" xmlns="" id="{BAF823F9-45E9-4021-A7D1-7EFF72EC104C}"/>
               </a:ext>
             </a:extLst>
           </p:cNvPr>
@@ -4978,7 +4978,7 @@
           <p:cNvPr id="5" name="文本占位符 4">
             <a:extLst>
               <a:ext uri="{FF2B5EF4-FFF2-40B4-BE49-F238E27FC236}">
-                <a16:creationId xmlns="" xmlns:a16="http://schemas.microsoft.com/office/drawing/2014/main" id="{B882BB2B-EE84-4897-B9E8-B428C22889A4}"/>
+                <a16:creationId xmlns:a16="http://schemas.microsoft.com/office/drawing/2014/main" xmlns="" id="{B882BB2B-EE84-4897-B9E8-B428C22889A4}"/>
               </a:ext>
             </a:extLst>
           </p:cNvPr>
@@ -5049,7 +5049,7 @@
           <p:cNvPr id="6" name="内容占位符 5">
             <a:extLst>
               <a:ext uri="{FF2B5EF4-FFF2-40B4-BE49-F238E27FC236}">
-                <a16:creationId xmlns="" xmlns:a16="http://schemas.microsoft.com/office/drawing/2014/main" id="{EEA72D46-84D3-4D81-9375-BCC58D5924F3}"/>
+                <a16:creationId xmlns:a16="http://schemas.microsoft.com/office/drawing/2014/main" xmlns="" id="{EEA72D46-84D3-4D81-9375-BCC58D5924F3}"/>
               </a:ext>
             </a:extLst>
           </p:cNvPr>
@@ -5141,7 +5141,7 @@
           <p:cNvPr id="2" name="标题 1">
             <a:extLst>
               <a:ext uri="{FF2B5EF4-FFF2-40B4-BE49-F238E27FC236}">
-                <a16:creationId xmlns="" xmlns:a16="http://schemas.microsoft.com/office/drawing/2014/main" id="{484216C1-A228-42D3-A014-C17E7C16F94F}"/>
+                <a16:creationId xmlns:a16="http://schemas.microsoft.com/office/drawing/2014/main" xmlns="" id="{484216C1-A228-42D3-A014-C17E7C16F94F}"/>
               </a:ext>
             </a:extLst>
           </p:cNvPr>
@@ -5229,7 +5229,7 @@
           <p:cNvPr id="2" name="标题 1">
             <a:extLst>
               <a:ext uri="{FF2B5EF4-FFF2-40B4-BE49-F238E27FC236}">
-                <a16:creationId xmlns="" xmlns:a16="http://schemas.microsoft.com/office/drawing/2014/main" id="{4752DDE8-7F9B-424B-BC31-47AA471C5BCF}"/>
+                <a16:creationId xmlns:a16="http://schemas.microsoft.com/office/drawing/2014/main" xmlns="" id="{4752DDE8-7F9B-424B-BC31-47AA471C5BCF}"/>
               </a:ext>
             </a:extLst>
           </p:cNvPr>
@@ -5266,7 +5266,7 @@
           <p:cNvPr id="3" name="内容占位符 2">
             <a:extLst>
               <a:ext uri="{FF2B5EF4-FFF2-40B4-BE49-F238E27FC236}">
-                <a16:creationId xmlns="" xmlns:a16="http://schemas.microsoft.com/office/drawing/2014/main" id="{EBF7075F-3791-4455-8BF3-6CD331B74F2B}"/>
+                <a16:creationId xmlns:a16="http://schemas.microsoft.com/office/drawing/2014/main" xmlns="" id="{EBF7075F-3791-4455-8BF3-6CD331B74F2B}"/>
               </a:ext>
             </a:extLst>
           </p:cNvPr>
@@ -5356,7 +5356,7 @@
           <p:cNvPr id="4" name="文本占位符 3">
             <a:extLst>
               <a:ext uri="{FF2B5EF4-FFF2-40B4-BE49-F238E27FC236}">
-                <a16:creationId xmlns="" xmlns:a16="http://schemas.microsoft.com/office/drawing/2014/main" id="{8932E573-59DB-432E-A1FC-4D3D6A5FF0DB}"/>
+                <a16:creationId xmlns:a16="http://schemas.microsoft.com/office/drawing/2014/main" xmlns="" id="{8932E573-59DB-432E-A1FC-4D3D6A5FF0DB}"/>
               </a:ext>
             </a:extLst>
           </p:cNvPr>
@@ -5457,7 +5457,7 @@
           <p:cNvPr id="2" name="标题 1">
             <a:extLst>
               <a:ext uri="{FF2B5EF4-FFF2-40B4-BE49-F238E27FC236}">
-                <a16:creationId xmlns="" xmlns:a16="http://schemas.microsoft.com/office/drawing/2014/main" id="{CB82951F-B411-42F4-BF41-E461A3B49568}"/>
+                <a16:creationId xmlns:a16="http://schemas.microsoft.com/office/drawing/2014/main" xmlns="" id="{CB82951F-B411-42F4-BF41-E461A3B49568}"/>
               </a:ext>
             </a:extLst>
           </p:cNvPr>
@@ -5494,7 +5494,7 @@
           <p:cNvPr id="3" name="图片占位符 2">
             <a:extLst>
               <a:ext uri="{FF2B5EF4-FFF2-40B4-BE49-F238E27FC236}">
-                <a16:creationId xmlns="" xmlns:a16="http://schemas.microsoft.com/office/drawing/2014/main" id="{F3C5B4C8-02D6-47FE-ADA4-9793D835AFEB}"/>
+                <a16:creationId xmlns:a16="http://schemas.microsoft.com/office/drawing/2014/main" xmlns="" id="{F3C5B4C8-02D6-47FE-ADA4-9793D835AFEB}"/>
               </a:ext>
             </a:extLst>
           </p:cNvPr>
@@ -5562,7 +5562,7 @@
           <p:cNvPr id="4" name="文本占位符 3">
             <a:extLst>
               <a:ext uri="{FF2B5EF4-FFF2-40B4-BE49-F238E27FC236}">
-                <a16:creationId xmlns="" xmlns:a16="http://schemas.microsoft.com/office/drawing/2014/main" id="{A3EBE3FD-D03B-42DB-BC2F-3C6DABAEDFF8}"/>
+                <a16:creationId xmlns:a16="http://schemas.microsoft.com/office/drawing/2014/main" xmlns="" id="{A3EBE3FD-D03B-42DB-BC2F-3C6DABAEDFF8}"/>
               </a:ext>
             </a:extLst>
           </p:cNvPr>
@@ -5671,7 +5671,7 @@
           <p:cNvPr id="1026" name="Rectangle 2">
             <a:extLst>
               <a:ext uri="{FF2B5EF4-FFF2-40B4-BE49-F238E27FC236}">
-                <a16:creationId xmlns="" xmlns:a16="http://schemas.microsoft.com/office/drawing/2014/main" id="{50D96D01-76C3-444F-BBBA-944BCA061DA9}"/>
+                <a16:creationId xmlns:a16="http://schemas.microsoft.com/office/drawing/2014/main" xmlns="" id="{50D96D01-76C3-444F-BBBA-944BCA061DA9}"/>
               </a:ext>
             </a:extLst>
           </p:cNvPr>
@@ -5745,7 +5745,7 @@
           <p:cNvPr id="1027" name="Rectangle 3">
             <a:extLst>
               <a:ext uri="{FF2B5EF4-FFF2-40B4-BE49-F238E27FC236}">
-                <a16:creationId xmlns="" xmlns:a16="http://schemas.microsoft.com/office/drawing/2014/main" id="{DD096DC5-75DC-473A-B59C-4AD1821C1121}"/>
+                <a16:creationId xmlns:a16="http://schemas.microsoft.com/office/drawing/2014/main" xmlns="" id="{DD096DC5-75DC-473A-B59C-4AD1821C1121}"/>
               </a:ext>
             </a:extLst>
           </p:cNvPr>
@@ -5833,7 +5833,7 @@
           <p:cNvPr id="1028" name="Group 16">
             <a:extLst>
               <a:ext uri="{FF2B5EF4-FFF2-40B4-BE49-F238E27FC236}">
-                <a16:creationId xmlns="" xmlns:a16="http://schemas.microsoft.com/office/drawing/2014/main" id="{CBD40DBF-D145-4E3D-97FD-EC892B345E68}"/>
+                <a16:creationId xmlns:a16="http://schemas.microsoft.com/office/drawing/2014/main" xmlns="" id="{CBD40DBF-D145-4E3D-97FD-EC892B345E68}"/>
               </a:ext>
             </a:extLst>
           </p:cNvPr>
@@ -5855,7 +5855,7 @@
             <p:cNvPr id="1029" name="Rectangle 17">
               <a:extLst>
                 <a:ext uri="{FF2B5EF4-FFF2-40B4-BE49-F238E27FC236}">
-                  <a16:creationId xmlns="" xmlns:a16="http://schemas.microsoft.com/office/drawing/2014/main" id="{B6FC40C4-D9DE-45AC-8F8C-E1FFFF1B6AE0}"/>
+                  <a16:creationId xmlns:a16="http://schemas.microsoft.com/office/drawing/2014/main" xmlns="" id="{B6FC40C4-D9DE-45AC-8F8C-E1FFFF1B6AE0}"/>
                 </a:ext>
               </a:extLst>
             </p:cNvPr>
@@ -6027,7 +6027,7 @@
             <p:cNvPr id="1030" name="Rectangle 18">
               <a:extLst>
                 <a:ext uri="{FF2B5EF4-FFF2-40B4-BE49-F238E27FC236}">
-                  <a16:creationId xmlns="" xmlns:a16="http://schemas.microsoft.com/office/drawing/2014/main" id="{110F7CAA-6B4E-4A9E-9302-F747BE9F375E}"/>
+                  <a16:creationId xmlns:a16="http://schemas.microsoft.com/office/drawing/2014/main" xmlns="" id="{110F7CAA-6B4E-4A9E-9302-F747BE9F375E}"/>
                 </a:ext>
               </a:extLst>
             </p:cNvPr>
@@ -6677,7 +6677,7 @@
           <p:cNvPr id="2050" name="Rectangle 2">
             <a:extLst>
               <a:ext uri="{FF2B5EF4-FFF2-40B4-BE49-F238E27FC236}">
-                <a16:creationId xmlns="" xmlns:a16="http://schemas.microsoft.com/office/drawing/2014/main" id="{D92BB275-865F-499B-AD82-90EDDE8DFB84}"/>
+                <a16:creationId xmlns:a16="http://schemas.microsoft.com/office/drawing/2014/main" xmlns="" id="{D92BB275-865F-499B-AD82-90EDDE8DFB84}"/>
               </a:ext>
             </a:extLst>
           </p:cNvPr>
@@ -6851,7 +6851,7 @@
           <p:cNvPr id="2051" name="Rectangle 3">
             <a:extLst>
               <a:ext uri="{FF2B5EF4-FFF2-40B4-BE49-F238E27FC236}">
-                <a16:creationId xmlns="" xmlns:a16="http://schemas.microsoft.com/office/drawing/2014/main" id="{3F978FE8-D921-4610-B7A4-D6AC47C5CDA0}"/>
+                <a16:creationId xmlns:a16="http://schemas.microsoft.com/office/drawing/2014/main" xmlns="" id="{3F978FE8-D921-4610-B7A4-D6AC47C5CDA0}"/>
               </a:ext>
             </a:extLst>
           </p:cNvPr>
@@ -7017,7 +7017,7 @@
           <p:cNvPr id="2052" name="Rectangle 4">
             <a:extLst>
               <a:ext uri="{FF2B5EF4-FFF2-40B4-BE49-F238E27FC236}">
-                <a16:creationId xmlns="" xmlns:a16="http://schemas.microsoft.com/office/drawing/2014/main" id="{09C6E2D6-4E75-437D-925A-5CBCD733D4E2}"/>
+                <a16:creationId xmlns:a16="http://schemas.microsoft.com/office/drawing/2014/main" xmlns="" id="{09C6E2D6-4E75-437D-925A-5CBCD733D4E2}"/>
               </a:ext>
             </a:extLst>
           </p:cNvPr>
@@ -7183,7 +7183,7 @@
           <p:cNvPr id="2053" name="Rectangle 5">
             <a:extLst>
               <a:ext uri="{FF2B5EF4-FFF2-40B4-BE49-F238E27FC236}">
-                <a16:creationId xmlns="" xmlns:a16="http://schemas.microsoft.com/office/drawing/2014/main" id="{DC328FA4-2007-4DEE-AC1D-D82D389ADF86}"/>
+                <a16:creationId xmlns:a16="http://schemas.microsoft.com/office/drawing/2014/main" xmlns="" id="{DC328FA4-2007-4DEE-AC1D-D82D389ADF86}"/>
               </a:ext>
             </a:extLst>
           </p:cNvPr>
@@ -7349,7 +7349,7 @@
           <p:cNvPr id="2054" name="Rectangle 6">
             <a:extLst>
               <a:ext uri="{FF2B5EF4-FFF2-40B4-BE49-F238E27FC236}">
-                <a16:creationId xmlns="" xmlns:a16="http://schemas.microsoft.com/office/drawing/2014/main" id="{638FDFB0-B264-42A7-B4CF-47C55CFAECEB}"/>
+                <a16:creationId xmlns:a16="http://schemas.microsoft.com/office/drawing/2014/main" xmlns="" id="{638FDFB0-B264-42A7-B4CF-47C55CFAECEB}"/>
               </a:ext>
             </a:extLst>
           </p:cNvPr>
@@ -7515,7 +7515,7 @@
           <p:cNvPr id="2055" name="Rectangle 7">
             <a:extLst>
               <a:ext uri="{FF2B5EF4-FFF2-40B4-BE49-F238E27FC236}">
-                <a16:creationId xmlns="" xmlns:a16="http://schemas.microsoft.com/office/drawing/2014/main" id="{45349060-BD6C-44AB-9349-C42EFF7EB92B}"/>
+                <a16:creationId xmlns:a16="http://schemas.microsoft.com/office/drawing/2014/main" xmlns="" id="{45349060-BD6C-44AB-9349-C42EFF7EB92B}"/>
               </a:ext>
             </a:extLst>
           </p:cNvPr>
@@ -7681,7 +7681,7 @@
           <p:cNvPr id="2056" name="Rectangle 8">
             <a:extLst>
               <a:ext uri="{FF2B5EF4-FFF2-40B4-BE49-F238E27FC236}">
-                <a16:creationId xmlns="" xmlns:a16="http://schemas.microsoft.com/office/drawing/2014/main" id="{C7F3B2E5-2E83-4560-AECA-02102779AA82}"/>
+                <a16:creationId xmlns:a16="http://schemas.microsoft.com/office/drawing/2014/main" xmlns="" id="{C7F3B2E5-2E83-4560-AECA-02102779AA82}"/>
               </a:ext>
             </a:extLst>
           </p:cNvPr>
@@ -7847,7 +7847,7 @@
           <p:cNvPr id="2057" name="Rectangle 9">
             <a:extLst>
               <a:ext uri="{FF2B5EF4-FFF2-40B4-BE49-F238E27FC236}">
-                <a16:creationId xmlns="" xmlns:a16="http://schemas.microsoft.com/office/drawing/2014/main" id="{02CE2E5B-7035-48A8-8D8B-06CF748119B8}"/>
+                <a16:creationId xmlns:a16="http://schemas.microsoft.com/office/drawing/2014/main" xmlns="" id="{02CE2E5B-7035-48A8-8D8B-06CF748119B8}"/>
               </a:ext>
             </a:extLst>
           </p:cNvPr>
@@ -8013,7 +8013,7 @@
           <p:cNvPr id="2058" name="Rectangle 10">
             <a:extLst>
               <a:ext uri="{FF2B5EF4-FFF2-40B4-BE49-F238E27FC236}">
-                <a16:creationId xmlns="" xmlns:a16="http://schemas.microsoft.com/office/drawing/2014/main" id="{B52E32C1-6E37-4874-B943-FDC1146F2C2C}"/>
+                <a16:creationId xmlns:a16="http://schemas.microsoft.com/office/drawing/2014/main" xmlns="" id="{B52E32C1-6E37-4874-B943-FDC1146F2C2C}"/>
               </a:ext>
             </a:extLst>
           </p:cNvPr>
@@ -8179,7 +8179,7 @@
           <p:cNvPr id="2059" name="Rectangle 11">
             <a:extLst>
               <a:ext uri="{FF2B5EF4-FFF2-40B4-BE49-F238E27FC236}">
-                <a16:creationId xmlns="" xmlns:a16="http://schemas.microsoft.com/office/drawing/2014/main" id="{1C2F8E24-BA34-4B0A-AC23-B16FC6FB917B}"/>
+                <a16:creationId xmlns:a16="http://schemas.microsoft.com/office/drawing/2014/main" xmlns="" id="{1C2F8E24-BA34-4B0A-AC23-B16FC6FB917B}"/>
               </a:ext>
             </a:extLst>
           </p:cNvPr>
@@ -8345,7 +8345,7 @@
           <p:cNvPr id="2060" name="Rectangle 12">
             <a:extLst>
               <a:ext uri="{FF2B5EF4-FFF2-40B4-BE49-F238E27FC236}">
-                <a16:creationId xmlns="" xmlns:a16="http://schemas.microsoft.com/office/drawing/2014/main" id="{E91EB1B0-0ADA-4187-BE6D-499CDAA3BFFE}"/>
+                <a16:creationId xmlns:a16="http://schemas.microsoft.com/office/drawing/2014/main" xmlns="" id="{E91EB1B0-0ADA-4187-BE6D-499CDAA3BFFE}"/>
               </a:ext>
             </a:extLst>
           </p:cNvPr>
@@ -8511,7 +8511,7 @@
           <p:cNvPr id="2061" name="Rectangle 13">
             <a:extLst>
               <a:ext uri="{FF2B5EF4-FFF2-40B4-BE49-F238E27FC236}">
-                <a16:creationId xmlns="" xmlns:a16="http://schemas.microsoft.com/office/drawing/2014/main" id="{7F25DDD6-1307-4B44-A4BD-23B1F6837E1C}"/>
+                <a16:creationId xmlns:a16="http://schemas.microsoft.com/office/drawing/2014/main" xmlns="" id="{7F25DDD6-1307-4B44-A4BD-23B1F6837E1C}"/>
               </a:ext>
             </a:extLst>
           </p:cNvPr>
@@ -8677,7 +8677,7 @@
           <p:cNvPr id="2062" name="Rectangle 4">
             <a:extLst>
               <a:ext uri="{FF2B5EF4-FFF2-40B4-BE49-F238E27FC236}">
-                <a16:creationId xmlns="" xmlns:a16="http://schemas.microsoft.com/office/drawing/2014/main" id="{FF875602-8BCA-438B-ADAD-719F6E40DF79}"/>
+                <a16:creationId xmlns:a16="http://schemas.microsoft.com/office/drawing/2014/main" xmlns="" id="{FF875602-8BCA-438B-ADAD-719F6E40DF79}"/>
               </a:ext>
             </a:extLst>
           </p:cNvPr>
@@ -8741,7 +8741,7 @@
           <p:cNvPr id="2063" name="Rectangle 5">
             <a:extLst>
               <a:ext uri="{FF2B5EF4-FFF2-40B4-BE49-F238E27FC236}">
-                <a16:creationId xmlns="" xmlns:a16="http://schemas.microsoft.com/office/drawing/2014/main" id="{67C287CB-7B8C-4691-AEE7-73C9EED0887A}"/>
+                <a16:creationId xmlns:a16="http://schemas.microsoft.com/office/drawing/2014/main" xmlns="" id="{67C287CB-7B8C-4691-AEE7-73C9EED0887A}"/>
               </a:ext>
             </a:extLst>
           </p:cNvPr>
@@ -8833,7 +8833,7 @@
           <p:cNvPr id="2065" name="Rectangle 14">
             <a:extLst>
               <a:ext uri="{FF2B5EF4-FFF2-40B4-BE49-F238E27FC236}">
-                <a16:creationId xmlns="" xmlns:a16="http://schemas.microsoft.com/office/drawing/2014/main" id="{7E092FBF-36DC-422B-9026-B373AADD0F6C}"/>
+                <a16:creationId xmlns:a16="http://schemas.microsoft.com/office/drawing/2014/main" xmlns="" id="{7E092FBF-36DC-422B-9026-B373AADD0F6C}"/>
               </a:ext>
             </a:extLst>
           </p:cNvPr>
@@ -8905,7 +8905,7 @@
           <p:cNvPr id="2066" name="Rectangle 15">
             <a:extLst>
               <a:ext uri="{FF2B5EF4-FFF2-40B4-BE49-F238E27FC236}">
-                <a16:creationId xmlns="" xmlns:a16="http://schemas.microsoft.com/office/drawing/2014/main" id="{CC8D45C6-2C77-46E8-839D-B49B51DB4469}"/>
+                <a16:creationId xmlns:a16="http://schemas.microsoft.com/office/drawing/2014/main" xmlns="" id="{CC8D45C6-2C77-46E8-839D-B49B51DB4469}"/>
               </a:ext>
             </a:extLst>
           </p:cNvPr>
@@ -8977,7 +8977,7 @@
           <p:cNvPr id="2067" name="Rectangle 16">
             <a:extLst>
               <a:ext uri="{FF2B5EF4-FFF2-40B4-BE49-F238E27FC236}">
-                <a16:creationId xmlns="" xmlns:a16="http://schemas.microsoft.com/office/drawing/2014/main" id="{CE97A565-7AB4-42D8-A04E-794356646BA4}"/>
+                <a16:creationId xmlns:a16="http://schemas.microsoft.com/office/drawing/2014/main" xmlns="" id="{CE97A565-7AB4-42D8-A04E-794356646BA4}"/>
               </a:ext>
             </a:extLst>
           </p:cNvPr>
@@ -9514,7 +9514,7 @@
           <p:cNvPr id="5122" name="Rectangle 2">
             <a:extLst>
               <a:ext uri="{FF2B5EF4-FFF2-40B4-BE49-F238E27FC236}">
-                <a16:creationId xmlns="" xmlns:a16="http://schemas.microsoft.com/office/drawing/2014/main" id="{C2CA1E0B-6B79-4E51-9C7C-20D2B09BF816}"/>
+                <a16:creationId xmlns:a16="http://schemas.microsoft.com/office/drawing/2014/main" xmlns="" id="{C2CA1E0B-6B79-4E51-9C7C-20D2B09BF816}"/>
               </a:ext>
             </a:extLst>
           </p:cNvPr>
@@ -9958,7 +9958,7 @@
               <a:rPr lang="zh-CN" altLang="en-US" sz="1600" dirty="0" smtClean="0">
                 <a:latin typeface="楷体_GB2312" pitchFamily="49" charset="-122"/>
               </a:rPr>
-              <a:t>数据集，来完成贝叶斯分类，分析其分类效果</a:t>
+              <a:t>数据集，来完成决策树分类，分析其分类效果</a:t>
             </a:r>
           </a:p>
         </p:txBody>
@@ -9966,7 +9966,7 @@
     </p:spTree>
     <p:extLst>
       <p:ext uri="{BB962C8B-B14F-4D97-AF65-F5344CB8AC3E}">
-        <p14:creationId xmlns:p14="http://schemas.microsoft.com/office/powerpoint/2010/main" val="330686091"/>
+        <p14:creationId xmlns:p14="http://schemas.microsoft.com/office/powerpoint/2010/main" val="1835206317"/>
       </p:ext>
     </p:extLst>
   </p:cSld>
@@ -10081,22 +10081,6 @@
               </a:rPr>
               <a:t>www.educoder.net/shixuns/ya8h7utx/challenges</a:t>
             </a:r>
-            <a:endParaRPr lang="en-US" altLang="zh-CN" sz="2400" dirty="0" smtClean="0"/>
-          </a:p>
-          <a:p>
-            <a:r>
-              <a:rPr lang="en-US" altLang="zh-CN" sz="2400" dirty="0">
-                <a:hlinkClick r:id="rId4"/>
-              </a:rPr>
-              <a:t>https://</a:t>
-            </a:r>
-            <a:r>
-              <a:rPr lang="en-US" altLang="zh-CN" sz="2400" dirty="0" smtClean="0">
-                <a:hlinkClick r:id="rId4"/>
-              </a:rPr>
-              <a:t>www.educoder.net/shixuns/ya8h7utx/challenges</a:t>
-            </a:r>
-            <a:endParaRPr lang="en-US" altLang="zh-CN" sz="2400" dirty="0" smtClean="0"/>
           </a:p>
         </p:txBody>
       </p:sp>
@@ -10251,7 +10235,7 @@
     </p:spTree>
     <p:extLst>
       <p:ext uri="{BB962C8B-B14F-4D97-AF65-F5344CB8AC3E}">
-        <p14:creationId xmlns:p14="http://schemas.microsoft.com/office/powerpoint/2010/main" val="3654433169"/>
+        <p14:creationId xmlns:p14="http://schemas.microsoft.com/office/powerpoint/2010/main" val="3917347932"/>
       </p:ext>
     </p:extLst>
   </p:cSld>
@@ -10290,7 +10274,7 @@
           <p:cNvPr id="59394" name="Rectangle 3">
             <a:extLst>
               <a:ext uri="{FF2B5EF4-FFF2-40B4-BE49-F238E27FC236}">
-                <a16:creationId xmlns="" xmlns:a16="http://schemas.microsoft.com/office/drawing/2014/main" id="{B17368F0-56AA-4A56-98C3-08B36F9220D7}"/>
+                <a16:creationId xmlns:a16="http://schemas.microsoft.com/office/drawing/2014/main" xmlns="" id="{B17368F0-56AA-4A56-98C3-08B36F9220D7}"/>
               </a:ext>
             </a:extLst>
           </p:cNvPr>
@@ -11170,7 +11154,7 @@
   </a:extraClrSchemeLst>
   <a:extLst>
     <a:ext uri="{05A4C25C-085E-4340-85A3-A5531E510DB2}">
-      <thm15:themeFamily xmlns="" xmlns:thm15="http://schemas.microsoft.com/office/thememl/2012/main" name="Office Theme" id="{62F939B6-93AF-4DB8-9C6B-D6C7DFDC589F}" vid="{4A3C46E8-61CC-4603-A589-7422A47A8E4A}"/>
+      <thm15:themeFamily xmlns:thm15="http://schemas.microsoft.com/office/thememl/2012/main" xmlns="" name="Office Theme" id="{62F939B6-93AF-4DB8-9C6B-D6C7DFDC589F}" vid="{4A3C46E8-61CC-4603-A589-7422A47A8E4A}"/>
     </a:ext>
   </a:extLst>
 </a:theme>
@@ -12332,7 +12316,7 @@
   <a:extraClrSchemeLst/>
   <a:extLst>
     <a:ext uri="{05A4C25C-085E-4340-85A3-A5531E510DB2}">
-      <thm15:themeFamily xmlns="" xmlns:thm15="http://schemas.microsoft.com/office/thememl/2012/main" name="Office Theme" id="{62F939B6-93AF-4DB8-9C6B-D6C7DFDC589F}" vid="{4A3C46E8-61CC-4603-A589-7422A47A8E4A}"/>
+      <thm15:themeFamily xmlns:thm15="http://schemas.microsoft.com/office/thememl/2012/main" xmlns="" name="Office Theme" id="{62F939B6-93AF-4DB8-9C6B-D6C7DFDC589F}" vid="{4A3C46E8-61CC-4603-A589-7422A47A8E4A}"/>
     </a:ext>
   </a:extLst>
 </a:theme>
@@ -12627,7 +12611,7 @@
   <a:extraClrSchemeLst/>
   <a:extLst>
     <a:ext uri="{05A4C25C-085E-4340-85A3-A5531E510DB2}">
-      <thm15:themeFamily xmlns="" xmlns:thm15="http://schemas.microsoft.com/office/thememl/2012/main" name="Office Theme" id="{62F939B6-93AF-4DB8-9C6B-D6C7DFDC589F}" vid="{4A3C46E8-61CC-4603-A589-7422A47A8E4A}"/>
+      <thm15:themeFamily xmlns:thm15="http://schemas.microsoft.com/office/thememl/2012/main" xmlns="" name="Office Theme" id="{62F939B6-93AF-4DB8-9C6B-D6C7DFDC589F}" vid="{4A3C46E8-61CC-4603-A589-7422A47A8E4A}"/>
     </a:ext>
   </a:extLst>
 </a:theme>
